--- a/resources/class03/professional-ethics-summary.pptx
+++ b/resources/class03/professional-ethics-summary.pptx
@@ -5,14 +5,17 @@
     <p:sldMasterId id="2147483648" r:id="rId1"/>
   </p:sldMasterIdLst>
   <p:handoutMasterIdLst>
-    <p:handoutMasterId r:id="rId5"/>
+    <p:handoutMasterId r:id="rId8"/>
   </p:handoutMasterIdLst>
   <p:sldIdLst>
     <p:sldId id="258" r:id="rId2"/>
-    <p:sldId id="259" r:id="rId3"/>
-    <p:sldId id="260" r:id="rId4"/>
+    <p:sldId id="260" r:id="rId3"/>
+    <p:sldId id="264" r:id="rId4"/>
+    <p:sldId id="261" r:id="rId5"/>
+    <p:sldId id="262" r:id="rId6"/>
+    <p:sldId id="263" r:id="rId7"/>
   </p:sldIdLst>
-  <p:sldSz cx="9144000" cy="6858000" type="screen4x3"/>
+  <p:sldSz cx="12192000" cy="6858000"/>
   <p:notesSz cx="6858000" cy="9144000"/>
   <p:defaultTextStyle>
     <a:defPPr>
@@ -112,12 +115,12 @@
   <p:extLst>
     <p:ext uri="{EFAFB233-063F-42B5-8137-9DF3F51BA10A}">
       <p15:sldGuideLst xmlns:p15="http://schemas.microsoft.com/office/powerpoint/2012/main">
-        <p15:guide id="1" orient="horz" pos="2160">
+        <p15:guide id="1" orient="horz" pos="2160" userDrawn="1">
           <p15:clr>
             <a:srgbClr val="A4A3A4"/>
           </p15:clr>
         </p15:guide>
-        <p15:guide id="2" pos="2880">
+        <p15:guide id="2" pos="3840" userDrawn="1">
           <p15:clr>
             <a:srgbClr val="A4A3A4"/>
           </p15:clr>
@@ -210,7 +213,7 @@
           <a:p>
             <a:fld id="{BF64FF1E-4031-499C-B834-51327237B26B}" type="datetimeFigureOut">
               <a:rPr lang="en-US" smtClean="0"/>
-              <a:t>1/29/2023</a:t>
+              <a:t>1/29/2024</a:t>
             </a:fld>
             <a:endParaRPr lang="en-US"/>
           </a:p>
@@ -322,8 +325,8 @@
         </p:nvSpPr>
         <p:spPr>
           <a:xfrm>
-            <a:off x="685800" y="2130425"/>
-            <a:ext cx="7772400" cy="1470025"/>
+            <a:off x="914400" y="2130426"/>
+            <a:ext cx="10363200" cy="1470025"/>
           </a:xfrm>
         </p:spPr>
         <p:txBody>
@@ -349,8 +352,8 @@
         </p:nvSpPr>
         <p:spPr>
           <a:xfrm>
-            <a:off x="1371600" y="3886200"/>
-            <a:ext cx="6400800" cy="1752600"/>
+            <a:off x="1828800" y="3886200"/>
+            <a:ext cx="8534400" cy="1752600"/>
           </a:xfrm>
         </p:spPr>
         <p:txBody>
@@ -472,7 +475,7 @@
           <a:p>
             <a:fld id="{070A95DD-4E44-492A-94C7-CFEB33CC96F0}" type="datetimeFigureOut">
               <a:rPr lang="en-US" smtClean="0"/>
-              <a:t>1/29/2023</a:t>
+              <a:t>1/29/2024</a:t>
             </a:fld>
             <a:endParaRPr lang="en-US"/>
           </a:p>
@@ -640,7 +643,7 @@
           <a:p>
             <a:fld id="{070A95DD-4E44-492A-94C7-CFEB33CC96F0}" type="datetimeFigureOut">
               <a:rPr lang="en-US" smtClean="0"/>
-              <a:t>1/29/2023</a:t>
+              <a:t>1/29/2024</a:t>
             </a:fld>
             <a:endParaRPr lang="en-US"/>
           </a:p>
@@ -730,8 +733,8 @@
         </p:nvSpPr>
         <p:spPr>
           <a:xfrm>
-            <a:off x="6629400" y="274638"/>
-            <a:ext cx="2057400" cy="5851525"/>
+            <a:off x="8839200" y="274639"/>
+            <a:ext cx="2743200" cy="5851525"/>
           </a:xfrm>
         </p:spPr>
         <p:txBody>
@@ -757,8 +760,8 @@
         </p:nvSpPr>
         <p:spPr>
           <a:xfrm>
-            <a:off x="457200" y="274638"/>
-            <a:ext cx="6019800" cy="5851525"/>
+            <a:off x="609600" y="274639"/>
+            <a:ext cx="8026400" cy="5851525"/>
           </a:xfrm>
         </p:spPr>
         <p:txBody>
@@ -818,7 +821,7 @@
           <a:p>
             <a:fld id="{070A95DD-4E44-492A-94C7-CFEB33CC96F0}" type="datetimeFigureOut">
               <a:rPr lang="en-US" smtClean="0"/>
-              <a:t>1/29/2023</a:t>
+              <a:t>1/29/2024</a:t>
             </a:fld>
             <a:endParaRPr lang="en-US"/>
           </a:p>
@@ -986,7 +989,7 @@
           <a:p>
             <a:fld id="{070A95DD-4E44-492A-94C7-CFEB33CC96F0}" type="datetimeFigureOut">
               <a:rPr lang="en-US" smtClean="0"/>
-              <a:t>1/29/2023</a:t>
+              <a:t>1/29/2024</a:t>
             </a:fld>
             <a:endParaRPr lang="en-US"/>
           </a:p>
@@ -1076,8 +1079,8 @@
         </p:nvSpPr>
         <p:spPr>
           <a:xfrm>
-            <a:off x="722313" y="4406900"/>
-            <a:ext cx="7772400" cy="1362075"/>
+            <a:off x="963084" y="4406901"/>
+            <a:ext cx="10363200" cy="1362075"/>
           </a:xfrm>
         </p:spPr>
         <p:txBody>
@@ -1107,8 +1110,8 @@
         </p:nvSpPr>
         <p:spPr>
           <a:xfrm>
-            <a:off x="722313" y="2906713"/>
-            <a:ext cx="7772400" cy="1500187"/>
+            <a:off x="963084" y="2906713"/>
+            <a:ext cx="10363200" cy="1500187"/>
           </a:xfrm>
         </p:spPr>
         <p:txBody>
@@ -1231,7 +1234,7 @@
           <a:p>
             <a:fld id="{070A95DD-4E44-492A-94C7-CFEB33CC96F0}" type="datetimeFigureOut">
               <a:rPr lang="en-US" smtClean="0"/>
-              <a:t>1/29/2023</a:t>
+              <a:t>1/29/2024</a:t>
             </a:fld>
             <a:endParaRPr lang="en-US"/>
           </a:p>
@@ -1343,8 +1346,8 @@
         </p:nvSpPr>
         <p:spPr>
           <a:xfrm>
-            <a:off x="457200" y="1600200"/>
-            <a:ext cx="4038600" cy="4525963"/>
+            <a:off x="609600" y="1600201"/>
+            <a:ext cx="5384800" cy="4525963"/>
           </a:xfrm>
         </p:spPr>
         <p:txBody>
@@ -1427,8 +1430,8 @@
         </p:nvSpPr>
         <p:spPr>
           <a:xfrm>
-            <a:off x="4648200" y="1600200"/>
-            <a:ext cx="4038600" cy="4525963"/>
+            <a:off x="6197600" y="1600201"/>
+            <a:ext cx="5384800" cy="4525963"/>
           </a:xfrm>
         </p:spPr>
         <p:txBody>
@@ -1516,7 +1519,7 @@
           <a:p>
             <a:fld id="{070A95DD-4E44-492A-94C7-CFEB33CC96F0}" type="datetimeFigureOut">
               <a:rPr lang="en-US" smtClean="0"/>
-              <a:t>1/29/2023</a:t>
+              <a:t>1/29/2024</a:t>
             </a:fld>
             <a:endParaRPr lang="en-US"/>
           </a:p>
@@ -1632,8 +1635,8 @@
         </p:nvSpPr>
         <p:spPr>
           <a:xfrm>
-            <a:off x="457200" y="1535113"/>
-            <a:ext cx="4040188" cy="639762"/>
+            <a:off x="609600" y="1535113"/>
+            <a:ext cx="5386917" cy="639762"/>
           </a:xfrm>
         </p:spPr>
         <p:txBody>
@@ -1697,8 +1700,8 @@
         </p:nvSpPr>
         <p:spPr>
           <a:xfrm>
-            <a:off x="457200" y="2174875"/>
-            <a:ext cx="4040188" cy="3951288"/>
+            <a:off x="609600" y="2174875"/>
+            <a:ext cx="5386917" cy="3951288"/>
           </a:xfrm>
         </p:spPr>
         <p:txBody>
@@ -1781,8 +1784,8 @@
         </p:nvSpPr>
         <p:spPr>
           <a:xfrm>
-            <a:off x="4645025" y="1535113"/>
-            <a:ext cx="4041775" cy="639762"/>
+            <a:off x="6193368" y="1535113"/>
+            <a:ext cx="5389033" cy="639762"/>
           </a:xfrm>
         </p:spPr>
         <p:txBody>
@@ -1846,8 +1849,8 @@
         </p:nvSpPr>
         <p:spPr>
           <a:xfrm>
-            <a:off x="4645025" y="2174875"/>
-            <a:ext cx="4041775" cy="3951288"/>
+            <a:off x="6193368" y="2174875"/>
+            <a:ext cx="5389033" cy="3951288"/>
           </a:xfrm>
         </p:spPr>
         <p:txBody>
@@ -1935,7 +1938,7 @@
           <a:p>
             <a:fld id="{070A95DD-4E44-492A-94C7-CFEB33CC96F0}" type="datetimeFigureOut">
               <a:rPr lang="en-US" smtClean="0"/>
-              <a:t>1/29/2023</a:t>
+              <a:t>1/29/2024</a:t>
             </a:fld>
             <a:endParaRPr lang="en-US"/>
           </a:p>
@@ -2052,7 +2055,7 @@
           <a:p>
             <a:fld id="{070A95DD-4E44-492A-94C7-CFEB33CC96F0}" type="datetimeFigureOut">
               <a:rPr lang="en-US" smtClean="0"/>
-              <a:t>1/29/2023</a:t>
+              <a:t>1/29/2024</a:t>
             </a:fld>
             <a:endParaRPr lang="en-US"/>
           </a:p>
@@ -2147,7 +2150,7 @@
           <a:p>
             <a:fld id="{070A95DD-4E44-492A-94C7-CFEB33CC96F0}" type="datetimeFigureOut">
               <a:rPr lang="en-US" smtClean="0"/>
-              <a:t>1/29/2023</a:t>
+              <a:t>1/29/2024</a:t>
             </a:fld>
             <a:endParaRPr lang="en-US"/>
           </a:p>
@@ -2237,8 +2240,8 @@
         </p:nvSpPr>
         <p:spPr>
           <a:xfrm>
-            <a:off x="457200" y="273050"/>
-            <a:ext cx="3008313" cy="1162050"/>
+            <a:off x="609601" y="273050"/>
+            <a:ext cx="4011084" cy="1162050"/>
           </a:xfrm>
         </p:spPr>
         <p:txBody>
@@ -2268,8 +2271,8 @@
         </p:nvSpPr>
         <p:spPr>
           <a:xfrm>
-            <a:off x="3575050" y="273050"/>
-            <a:ext cx="5111750" cy="5853113"/>
+            <a:off x="4766733" y="273051"/>
+            <a:ext cx="6815667" cy="5853113"/>
           </a:xfrm>
         </p:spPr>
         <p:txBody>
@@ -2352,8 +2355,8 @@
         </p:nvSpPr>
         <p:spPr>
           <a:xfrm>
-            <a:off x="457200" y="1435100"/>
-            <a:ext cx="3008313" cy="4691063"/>
+            <a:off x="609601" y="1435101"/>
+            <a:ext cx="4011084" cy="4691063"/>
           </a:xfrm>
         </p:spPr>
         <p:txBody>
@@ -2422,7 +2425,7 @@
           <a:p>
             <a:fld id="{070A95DD-4E44-492A-94C7-CFEB33CC96F0}" type="datetimeFigureOut">
               <a:rPr lang="en-US" smtClean="0"/>
-              <a:t>1/29/2023</a:t>
+              <a:t>1/29/2024</a:t>
             </a:fld>
             <a:endParaRPr lang="en-US"/>
           </a:p>
@@ -2512,8 +2515,8 @@
         </p:nvSpPr>
         <p:spPr>
           <a:xfrm>
-            <a:off x="1792288" y="4800600"/>
-            <a:ext cx="5486400" cy="566738"/>
+            <a:off x="2389717" y="4800600"/>
+            <a:ext cx="7315200" cy="566738"/>
           </a:xfrm>
         </p:spPr>
         <p:txBody>
@@ -2543,8 +2546,8 @@
         </p:nvSpPr>
         <p:spPr>
           <a:xfrm>
-            <a:off x="1792288" y="612775"/>
-            <a:ext cx="5486400" cy="4114800"/>
+            <a:off x="2389717" y="612775"/>
+            <a:ext cx="7315200" cy="4114800"/>
           </a:xfrm>
         </p:spPr>
         <p:txBody>
@@ -2604,8 +2607,8 @@
         </p:nvSpPr>
         <p:spPr>
           <a:xfrm>
-            <a:off x="1792288" y="5367338"/>
-            <a:ext cx="5486400" cy="804862"/>
+            <a:off x="2389717" y="5367338"/>
+            <a:ext cx="7315200" cy="804862"/>
           </a:xfrm>
         </p:spPr>
         <p:txBody>
@@ -2674,7 +2677,7 @@
           <a:p>
             <a:fld id="{070A95DD-4E44-492A-94C7-CFEB33CC96F0}" type="datetimeFigureOut">
               <a:rPr lang="en-US" smtClean="0"/>
-              <a:t>1/29/2023</a:t>
+              <a:t>1/29/2024</a:t>
             </a:fld>
             <a:endParaRPr lang="en-US"/>
           </a:p>
@@ -2769,8 +2772,8 @@
         </p:nvSpPr>
         <p:spPr>
           <a:xfrm>
-            <a:off x="457200" y="274638"/>
-            <a:ext cx="8229600" cy="1143000"/>
+            <a:off x="609600" y="274638"/>
+            <a:ext cx="10972800" cy="1143000"/>
           </a:xfrm>
           <a:prstGeom prst="rect">
             <a:avLst/>
@@ -2801,8 +2804,8 @@
         </p:nvSpPr>
         <p:spPr>
           <a:xfrm>
-            <a:off x="457200" y="1600200"/>
-            <a:ext cx="8229600" cy="4525963"/>
+            <a:off x="609600" y="1600201"/>
+            <a:ext cx="10972800" cy="4525963"/>
           </a:xfrm>
           <a:prstGeom prst="rect">
             <a:avLst/>
@@ -2862,8 +2865,8 @@
         </p:nvSpPr>
         <p:spPr>
           <a:xfrm>
-            <a:off x="457200" y="6356350"/>
-            <a:ext cx="2133600" cy="365125"/>
+            <a:off x="609600" y="6356351"/>
+            <a:ext cx="2844800" cy="365125"/>
           </a:xfrm>
           <a:prstGeom prst="rect">
             <a:avLst/>
@@ -2885,7 +2888,7 @@
           <a:p>
             <a:fld id="{070A95DD-4E44-492A-94C7-CFEB33CC96F0}" type="datetimeFigureOut">
               <a:rPr lang="en-US" smtClean="0"/>
-              <a:t>1/29/2023</a:t>
+              <a:t>1/29/2024</a:t>
             </a:fld>
             <a:endParaRPr lang="en-US"/>
           </a:p>
@@ -2903,8 +2906,8 @@
         </p:nvSpPr>
         <p:spPr>
           <a:xfrm>
-            <a:off x="3124200" y="6356350"/>
-            <a:ext cx="2895600" cy="365125"/>
+            <a:off x="4165600" y="6356351"/>
+            <a:ext cx="3860800" cy="365125"/>
           </a:xfrm>
           <a:prstGeom prst="rect">
             <a:avLst/>
@@ -2940,8 +2943,8 @@
         </p:nvSpPr>
         <p:spPr>
           <a:xfrm>
-            <a:off x="6553200" y="6356350"/>
-            <a:ext cx="2133600" cy="365125"/>
+            <a:off x="8737600" y="6356351"/>
+            <a:ext cx="2844800" cy="365125"/>
           </a:xfrm>
           <a:prstGeom prst="rect">
             <a:avLst/>
@@ -3272,7 +3275,7 @@
         </p:nvSpPr>
         <p:spPr>
           <a:xfrm>
-            <a:off x="457200" y="32426"/>
+            <a:off x="1981200" y="32426"/>
             <a:ext cx="8229600" cy="1143000"/>
           </a:xfrm>
         </p:spPr>
@@ -3308,7 +3311,7 @@
         </p:nvSpPr>
         <p:spPr>
           <a:xfrm>
-            <a:off x="457200" y="1143000"/>
+            <a:off x="1981200" y="1143000"/>
             <a:ext cx="8229600" cy="5029200"/>
           </a:xfrm>
         </p:spPr>
@@ -3417,7 +3420,7 @@
         </p:nvSpPr>
         <p:spPr>
           <a:xfrm>
-            <a:off x="4952999" y="6557161"/>
+            <a:off x="6477000" y="6557162"/>
             <a:ext cx="4184515" cy="307777"/>
           </a:xfrm>
           <a:prstGeom prst="rect">
@@ -3479,211 +3482,6 @@
           <p:cNvPr id="2" name="Title 1">
             <a:extLst>
               <a:ext uri="{FF2B5EF4-FFF2-40B4-BE49-F238E27FC236}">
-                <a16:creationId xmlns:a16="http://schemas.microsoft.com/office/drawing/2014/main" id="{77A2304F-FCE9-3339-37AF-9575EE26A6D7}"/>
-              </a:ext>
-            </a:extLst>
-          </p:cNvPr>
-          <p:cNvSpPr>
-            <a:spLocks noGrp="1"/>
-          </p:cNvSpPr>
-          <p:nvPr>
-            <p:ph type="title"/>
-          </p:nvPr>
-        </p:nvSpPr>
-        <p:spPr/>
-        <p:txBody>
-          <a:bodyPr>
-            <a:normAutofit fontScale="90000"/>
-          </a:bodyPr>
-          <a:lstStyle/>
-          <a:p>
-            <a:r>
-              <a:rPr lang="en-US" dirty="0"/>
-              <a:t>Principles from old (Quinn textbook) version of ACM Code of Ethics</a:t>
-            </a:r>
-          </a:p>
-        </p:txBody>
-      </p:sp>
-      <p:sp>
-        <p:nvSpPr>
-          <p:cNvPr id="3" name="Content Placeholder 2">
-            <a:extLst>
-              <a:ext uri="{FF2B5EF4-FFF2-40B4-BE49-F238E27FC236}">
-                <a16:creationId xmlns:a16="http://schemas.microsoft.com/office/drawing/2014/main" id="{BCA20E24-74CF-0C09-BFA0-FADE071413C6}"/>
-              </a:ext>
-            </a:extLst>
-          </p:cNvPr>
-          <p:cNvSpPr>
-            <a:spLocks noGrp="1"/>
-          </p:cNvSpPr>
-          <p:nvPr>
-            <p:ph idx="1"/>
-          </p:nvPr>
-        </p:nvSpPr>
-        <p:spPr/>
-        <p:txBody>
-          <a:bodyPr>
-            <a:normAutofit lnSpcReduction="10000"/>
-          </a:bodyPr>
-          <a:lstStyle/>
-          <a:p>
-            <a:pPr marL="514350" indent="-514350">
-              <a:buFont typeface="+mj-lt"/>
-              <a:buAutoNum type="arabicPeriod"/>
-            </a:pPr>
-            <a:r>
-              <a:rPr lang="en-US" dirty="0"/>
-              <a:t>Public interest</a:t>
-            </a:r>
-          </a:p>
-          <a:p>
-            <a:pPr marL="514350" indent="-514350">
-              <a:buFont typeface="+mj-lt"/>
-              <a:buAutoNum type="arabicPeriod"/>
-            </a:pPr>
-            <a:r>
-              <a:rPr lang="en-US" dirty="0"/>
-              <a:t>Client and employer</a:t>
-            </a:r>
-          </a:p>
-          <a:p>
-            <a:pPr marL="514350" indent="-514350">
-              <a:buFont typeface="+mj-lt"/>
-              <a:buAutoNum type="arabicPeriod"/>
-            </a:pPr>
-            <a:r>
-              <a:rPr lang="en-US" dirty="0"/>
-              <a:t>Product</a:t>
-            </a:r>
-          </a:p>
-          <a:p>
-            <a:pPr marL="514350" indent="-514350">
-              <a:buFont typeface="+mj-lt"/>
-              <a:buAutoNum type="arabicPeriod"/>
-            </a:pPr>
-            <a:r>
-              <a:rPr lang="en-US" dirty="0"/>
-              <a:t>Judgment</a:t>
-            </a:r>
-          </a:p>
-          <a:p>
-            <a:pPr marL="514350" indent="-514350">
-              <a:buFont typeface="+mj-lt"/>
-              <a:buAutoNum type="arabicPeriod"/>
-            </a:pPr>
-            <a:r>
-              <a:rPr lang="en-US" dirty="0"/>
-              <a:t>Management</a:t>
-            </a:r>
-          </a:p>
-          <a:p>
-            <a:pPr marL="514350" indent="-514350">
-              <a:buFont typeface="+mj-lt"/>
-              <a:buAutoNum type="arabicPeriod"/>
-            </a:pPr>
-            <a:r>
-              <a:rPr lang="en-US" dirty="0"/>
-              <a:t>Profession</a:t>
-            </a:r>
-          </a:p>
-          <a:p>
-            <a:pPr marL="514350" indent="-514350">
-              <a:buFont typeface="+mj-lt"/>
-              <a:buAutoNum type="arabicPeriod"/>
-            </a:pPr>
-            <a:r>
-              <a:rPr lang="en-US" dirty="0"/>
-              <a:t>Colleagues</a:t>
-            </a:r>
-          </a:p>
-          <a:p>
-            <a:pPr marL="514350" indent="-514350">
-              <a:buFont typeface="+mj-lt"/>
-              <a:buAutoNum type="arabicPeriod"/>
-            </a:pPr>
-            <a:r>
-              <a:rPr lang="en-US" dirty="0"/>
-              <a:t>Self</a:t>
-            </a:r>
-          </a:p>
-        </p:txBody>
-      </p:sp>
-      <p:sp>
-        <p:nvSpPr>
-          <p:cNvPr id="4" name="TextBox 3">
-            <a:extLst>
-              <a:ext uri="{FF2B5EF4-FFF2-40B4-BE49-F238E27FC236}">
-                <a16:creationId xmlns:a16="http://schemas.microsoft.com/office/drawing/2014/main" id="{1530B611-32B4-2E8C-3849-07AC2344F555}"/>
-              </a:ext>
-            </a:extLst>
-          </p:cNvPr>
-          <p:cNvSpPr txBox="1"/>
-          <p:nvPr/>
-        </p:nvSpPr>
-        <p:spPr>
-          <a:xfrm>
-            <a:off x="4952999" y="6557161"/>
-            <a:ext cx="4184515" cy="307777"/>
-          </a:xfrm>
-          <a:prstGeom prst="rect">
-            <a:avLst/>
-          </a:prstGeom>
-          <a:noFill/>
-        </p:spPr>
-        <p:txBody>
-          <a:bodyPr wrap="square" rtlCol="0">
-            <a:spAutoFit/>
-          </a:bodyPr>
-          <a:lstStyle/>
-          <a:p>
-            <a:pPr algn="r"/>
-            <a:r>
-              <a:rPr lang="en-US" sz="1400" dirty="0"/>
-              <a:t>Source: M. Quinn, </a:t>
-            </a:r>
-            <a:r>
-              <a:rPr lang="en-US" sz="1400" i="1" dirty="0"/>
-              <a:t>Ethics for the Information Age</a:t>
-            </a:r>
-            <a:endParaRPr lang="en-US" sz="1400" dirty="0"/>
-          </a:p>
-        </p:txBody>
-      </p:sp>
-    </p:spTree>
-    <p:extLst>
-      <p:ext uri="{BB962C8B-B14F-4D97-AF65-F5344CB8AC3E}">
-        <p14:creationId xmlns:p14="http://schemas.microsoft.com/office/powerpoint/2010/main" val="3780536277"/>
-      </p:ext>
-    </p:extLst>
-  </p:cSld>
-  <p:clrMapOvr>
-    <a:masterClrMapping/>
-  </p:clrMapOvr>
-</p:sld>
-</file>
-
-<file path=ppt/slides/slide3.xml><?xml version="1.0" encoding="utf-8"?>
-<p:sld xmlns:a="http://schemas.openxmlformats.org/drawingml/2006/main" xmlns:r="http://schemas.openxmlformats.org/officeDocument/2006/relationships" xmlns:p="http://schemas.openxmlformats.org/presentationml/2006/main">
-  <p:cSld>
-    <p:spTree>
-      <p:nvGrpSpPr>
-        <p:cNvPr id="1" name=""/>
-        <p:cNvGrpSpPr/>
-        <p:nvPr/>
-      </p:nvGrpSpPr>
-      <p:grpSpPr>
-        <a:xfrm>
-          <a:off x="0" y="0"/>
-          <a:ext cx="0" cy="0"/>
-          <a:chOff x="0" y="0"/>
-          <a:chExt cx="0" cy="0"/>
-        </a:xfrm>
-      </p:grpSpPr>
-      <p:sp>
-        <p:nvSpPr>
-          <p:cNvPr id="2" name="Title 1">
-            <a:extLst>
-              <a:ext uri="{FF2B5EF4-FFF2-40B4-BE49-F238E27FC236}">
                 <a16:creationId xmlns:a16="http://schemas.microsoft.com/office/drawing/2014/main" id="{1847DEC7-B828-10B6-D642-F16E2F765A20}"/>
               </a:ext>
             </a:extLst>
@@ -3697,7 +3495,7 @@
         </p:nvSpPr>
         <p:spPr>
           <a:xfrm>
-            <a:off x="533400" y="152400"/>
+            <a:off x="2057400" y="152400"/>
             <a:ext cx="8229600" cy="1020762"/>
           </a:xfrm>
         </p:spPr>
@@ -3732,7 +3530,7 @@
         </p:nvSpPr>
         <p:spPr>
           <a:xfrm>
-            <a:off x="457200" y="1295400"/>
+            <a:off x="1981200" y="1295401"/>
             <a:ext cx="2895600" cy="4830763"/>
           </a:xfrm>
         </p:spPr>
@@ -3831,7 +3629,7 @@
         </p:nvSpPr>
         <p:spPr>
           <a:xfrm>
-            <a:off x="6172200" y="1295400"/>
+            <a:off x="7696200" y="1295400"/>
             <a:ext cx="2971800" cy="5410200"/>
           </a:xfrm>
           <a:prstGeom prst="rect">
@@ -4107,7 +3905,7 @@
         </p:nvSpPr>
         <p:spPr>
           <a:xfrm>
-            <a:off x="3276600" y="1295400"/>
+            <a:off x="4800600" y="1295400"/>
             <a:ext cx="2895600" cy="5486400"/>
           </a:xfrm>
           <a:prstGeom prst="rect">
@@ -4371,7 +4169,7 @@
         </p:nvSpPr>
         <p:spPr>
           <a:xfrm>
-            <a:off x="4952999" y="6557161"/>
+            <a:off x="6477000" y="6557162"/>
             <a:ext cx="4184515" cy="307777"/>
           </a:xfrm>
           <a:prstGeom prst="rect">
@@ -4397,6 +4195,583 @@
     <p:extLst>
       <p:ext uri="{BB962C8B-B14F-4D97-AF65-F5344CB8AC3E}">
         <p14:creationId xmlns:p14="http://schemas.microsoft.com/office/powerpoint/2010/main" val="2501641272"/>
+      </p:ext>
+    </p:extLst>
+  </p:cSld>
+  <p:clrMapOvr>
+    <a:masterClrMapping/>
+  </p:clrMapOvr>
+</p:sld>
+</file>
+
+<file path=ppt/slides/slide3.xml><?xml version="1.0" encoding="utf-8"?>
+<p:sld xmlns:a="http://schemas.openxmlformats.org/drawingml/2006/main" xmlns:r="http://schemas.openxmlformats.org/officeDocument/2006/relationships" xmlns:p="http://schemas.openxmlformats.org/presentationml/2006/main">
+  <p:cSld>
+    <p:spTree>
+      <p:nvGrpSpPr>
+        <p:cNvPr id="1" name=""/>
+        <p:cNvGrpSpPr/>
+        <p:nvPr/>
+      </p:nvGrpSpPr>
+      <p:grpSpPr>
+        <a:xfrm>
+          <a:off x="0" y="0"/>
+          <a:ext cx="0" cy="0"/>
+          <a:chOff x="0" y="0"/>
+          <a:chExt cx="0" cy="0"/>
+        </a:xfrm>
+      </p:grpSpPr>
+      <p:sp>
+        <p:nvSpPr>
+          <p:cNvPr id="2" name="Title 1"/>
+          <p:cNvSpPr>
+            <a:spLocks noGrp="1"/>
+          </p:cNvSpPr>
+          <p:nvPr>
+            <p:ph type="title"/>
+          </p:nvPr>
+        </p:nvSpPr>
+        <p:spPr>
+          <a:xfrm>
+            <a:off x="1973225" y="693775"/>
+            <a:ext cx="8229600" cy="1595015"/>
+          </a:xfrm>
+        </p:spPr>
+        <p:txBody>
+          <a:bodyPr>
+            <a:noAutofit/>
+          </a:bodyPr>
+          <a:lstStyle/>
+          <a:p>
+            <a:r>
+              <a:rPr lang="en-US" dirty="0"/>
+              <a:t>Instructions for analyzing discussion questions</a:t>
+            </a:r>
+          </a:p>
+        </p:txBody>
+      </p:sp>
+      <p:sp>
+        <p:nvSpPr>
+          <p:cNvPr id="3" name="Content Placeholder 2"/>
+          <p:cNvSpPr>
+            <a:spLocks noGrp="1"/>
+          </p:cNvSpPr>
+          <p:nvPr>
+            <p:ph idx="1"/>
+          </p:nvPr>
+        </p:nvSpPr>
+        <p:spPr>
+          <a:xfrm>
+            <a:off x="1973225" y="2408413"/>
+            <a:ext cx="8229600" cy="3755811"/>
+          </a:xfrm>
+        </p:spPr>
+        <p:txBody>
+          <a:bodyPr>
+            <a:noAutofit/>
+          </a:bodyPr>
+          <a:lstStyle/>
+          <a:p>
+            <a:pPr marL="0" indent="0">
+              <a:buNone/>
+            </a:pPr>
+            <a:r>
+              <a:rPr lang="en-US" sz="3600" dirty="0"/>
+              <a:t>Use:</a:t>
+            </a:r>
+          </a:p>
+          <a:p>
+            <a:r>
+              <a:rPr lang="en-US" sz="3600" dirty="0"/>
+              <a:t>Either, the virtues from slide 1</a:t>
+            </a:r>
+          </a:p>
+          <a:p>
+            <a:r>
+              <a:rPr lang="en-US" sz="3600" dirty="0"/>
+              <a:t>or one of the following ethical frameworks: Kantianism, act utilitarianism, rule utilitarianism, social contract theory</a:t>
+            </a:r>
+          </a:p>
+        </p:txBody>
+      </p:sp>
+      <p:sp>
+        <p:nvSpPr>
+          <p:cNvPr id="4" name="TextBox 3"/>
+          <p:cNvSpPr txBox="1"/>
+          <p:nvPr/>
+        </p:nvSpPr>
+        <p:spPr>
+          <a:xfrm>
+            <a:off x="6477000" y="6557162"/>
+            <a:ext cx="4184515" cy="307777"/>
+          </a:xfrm>
+          <a:prstGeom prst="rect">
+            <a:avLst/>
+          </a:prstGeom>
+          <a:noFill/>
+        </p:spPr>
+        <p:txBody>
+          <a:bodyPr wrap="square" rtlCol="0">
+            <a:spAutoFit/>
+          </a:bodyPr>
+          <a:lstStyle/>
+          <a:p>
+            <a:pPr algn="r"/>
+            <a:r>
+              <a:rPr lang="en-US" sz="1400" dirty="0"/>
+              <a:t>Source: M. Quinn, </a:t>
+            </a:r>
+            <a:r>
+              <a:rPr lang="en-US" sz="1400" i="1" dirty="0"/>
+              <a:t>Ethics for the Information Age</a:t>
+            </a:r>
+            <a:endParaRPr lang="en-US" sz="1400" dirty="0"/>
+          </a:p>
+        </p:txBody>
+      </p:sp>
+    </p:spTree>
+    <p:extLst>
+      <p:ext uri="{BB962C8B-B14F-4D97-AF65-F5344CB8AC3E}">
+        <p14:creationId xmlns:p14="http://schemas.microsoft.com/office/powerpoint/2010/main" val="3858008213"/>
+      </p:ext>
+    </p:extLst>
+  </p:cSld>
+  <p:clrMapOvr>
+    <a:masterClrMapping/>
+  </p:clrMapOvr>
+</p:sld>
+</file>
+
+<file path=ppt/slides/slide4.xml><?xml version="1.0" encoding="utf-8"?>
+<p:sld xmlns:a="http://schemas.openxmlformats.org/drawingml/2006/main" xmlns:r="http://schemas.openxmlformats.org/officeDocument/2006/relationships" xmlns:p="http://schemas.openxmlformats.org/presentationml/2006/main">
+  <p:cSld>
+    <p:spTree>
+      <p:nvGrpSpPr>
+        <p:cNvPr id="1" name=""/>
+        <p:cNvGrpSpPr/>
+        <p:nvPr/>
+      </p:nvGrpSpPr>
+      <p:grpSpPr>
+        <a:xfrm>
+          <a:off x="0" y="0"/>
+          <a:ext cx="0" cy="0"/>
+          <a:chOff x="0" y="0"/>
+          <a:chExt cx="0" cy="0"/>
+        </a:xfrm>
+      </p:grpSpPr>
+      <p:sp>
+        <p:nvSpPr>
+          <p:cNvPr id="2" name="Title 1"/>
+          <p:cNvSpPr>
+            <a:spLocks noGrp="1"/>
+          </p:cNvSpPr>
+          <p:nvPr>
+            <p:ph type="title"/>
+          </p:nvPr>
+        </p:nvSpPr>
+        <p:spPr>
+          <a:xfrm>
+            <a:off x="1981200" y="32426"/>
+            <a:ext cx="8229600" cy="1143000"/>
+          </a:xfrm>
+        </p:spPr>
+        <p:txBody>
+          <a:bodyPr>
+            <a:noAutofit/>
+          </a:bodyPr>
+          <a:lstStyle/>
+          <a:p>
+            <a:r>
+              <a:rPr lang="en-US" sz="3200" dirty="0"/>
+              <a:t>Discussion question 14</a:t>
+            </a:r>
+          </a:p>
+        </p:txBody>
+      </p:sp>
+      <p:sp>
+        <p:nvSpPr>
+          <p:cNvPr id="3" name="Content Placeholder 2"/>
+          <p:cNvSpPr>
+            <a:spLocks noGrp="1"/>
+          </p:cNvSpPr>
+          <p:nvPr>
+            <p:ph idx="1"/>
+          </p:nvPr>
+        </p:nvSpPr>
+        <p:spPr>
+          <a:xfrm>
+            <a:off x="725714" y="1150975"/>
+            <a:ext cx="10790016" cy="5029200"/>
+          </a:xfrm>
+        </p:spPr>
+        <p:txBody>
+          <a:bodyPr>
+            <a:noAutofit/>
+          </a:bodyPr>
+          <a:lstStyle/>
+          <a:p>
+            <a:pPr marL="0" indent="0">
+              <a:buNone/>
+            </a:pPr>
+            <a:r>
+              <a:rPr lang="en-US" dirty="0">
+                <a:effectLst/>
+                <a:latin typeface="Calibri" panose="020F0502020204030204" pitchFamily="34" charset="0"/>
+                <a:ea typeface="SimSun" panose="02010600030101010101" pitchFamily="2" charset="-122"/>
+                <a:cs typeface="Arial" panose="020B0604020202020204" pitchFamily="34" charset="0"/>
+              </a:rPr>
+              <a:t>You are a junior in college. You sent your resume to a half-dozen companies hoping to get a summer internship. Two weeks ago XYZ Corporation contacted you and offered you a paid summer internship. One week ago you accepted their offer, agreeing to start work a week after your last final exam. Today you received a much better internship offer from ABC Corporation. What should you do?</a:t>
+            </a:r>
+          </a:p>
+          <a:p>
+            <a:pPr marL="0" indent="0">
+              <a:buNone/>
+            </a:pPr>
+            <a:endParaRPr lang="en-US" dirty="0"/>
+          </a:p>
+        </p:txBody>
+      </p:sp>
+      <p:sp>
+        <p:nvSpPr>
+          <p:cNvPr id="4" name="TextBox 3"/>
+          <p:cNvSpPr txBox="1"/>
+          <p:nvPr/>
+        </p:nvSpPr>
+        <p:spPr>
+          <a:xfrm>
+            <a:off x="6477000" y="6557162"/>
+            <a:ext cx="4184515" cy="307777"/>
+          </a:xfrm>
+          <a:prstGeom prst="rect">
+            <a:avLst/>
+          </a:prstGeom>
+          <a:noFill/>
+        </p:spPr>
+        <p:txBody>
+          <a:bodyPr wrap="square" rtlCol="0">
+            <a:spAutoFit/>
+          </a:bodyPr>
+          <a:lstStyle/>
+          <a:p>
+            <a:pPr algn="r"/>
+            <a:r>
+              <a:rPr lang="en-US" sz="1400" dirty="0"/>
+              <a:t>Source: M. Quinn, </a:t>
+            </a:r>
+            <a:r>
+              <a:rPr lang="en-US" sz="1400" i="1" dirty="0"/>
+              <a:t>Ethics for the Information Age</a:t>
+            </a:r>
+            <a:endParaRPr lang="en-US" sz="1400" dirty="0"/>
+          </a:p>
+        </p:txBody>
+      </p:sp>
+    </p:spTree>
+    <p:extLst>
+      <p:ext uri="{BB962C8B-B14F-4D97-AF65-F5344CB8AC3E}">
+        <p14:creationId xmlns:p14="http://schemas.microsoft.com/office/powerpoint/2010/main" val="2070525705"/>
+      </p:ext>
+    </p:extLst>
+  </p:cSld>
+  <p:clrMapOvr>
+    <a:masterClrMapping/>
+  </p:clrMapOvr>
+</p:sld>
+</file>
+
+<file path=ppt/slides/slide5.xml><?xml version="1.0" encoding="utf-8"?>
+<p:sld xmlns:a="http://schemas.openxmlformats.org/drawingml/2006/main" xmlns:r="http://schemas.openxmlformats.org/officeDocument/2006/relationships" xmlns:p="http://schemas.openxmlformats.org/presentationml/2006/main">
+  <p:cSld>
+    <p:spTree>
+      <p:nvGrpSpPr>
+        <p:cNvPr id="1" name=""/>
+        <p:cNvGrpSpPr/>
+        <p:nvPr/>
+      </p:nvGrpSpPr>
+      <p:grpSpPr>
+        <a:xfrm>
+          <a:off x="0" y="0"/>
+          <a:ext cx="0" cy="0"/>
+          <a:chOff x="0" y="0"/>
+          <a:chExt cx="0" cy="0"/>
+        </a:xfrm>
+      </p:grpSpPr>
+      <p:sp>
+        <p:nvSpPr>
+          <p:cNvPr id="2" name="Title 1"/>
+          <p:cNvSpPr>
+            <a:spLocks noGrp="1"/>
+          </p:cNvSpPr>
+          <p:nvPr>
+            <p:ph type="title"/>
+          </p:nvPr>
+        </p:nvSpPr>
+        <p:spPr>
+          <a:xfrm>
+            <a:off x="1989175" y="40401"/>
+            <a:ext cx="8229600" cy="1143000"/>
+          </a:xfrm>
+        </p:spPr>
+        <p:txBody>
+          <a:bodyPr>
+            <a:noAutofit/>
+          </a:bodyPr>
+          <a:lstStyle/>
+          <a:p>
+            <a:r>
+              <a:rPr lang="en-US" sz="3200" dirty="0"/>
+              <a:t>Discussion question 15</a:t>
+            </a:r>
+          </a:p>
+        </p:txBody>
+      </p:sp>
+      <p:sp>
+        <p:nvSpPr>
+          <p:cNvPr id="3" name="Content Placeholder 2"/>
+          <p:cNvSpPr>
+            <a:spLocks noGrp="1"/>
+          </p:cNvSpPr>
+          <p:nvPr>
+            <p:ph idx="1"/>
+          </p:nvPr>
+        </p:nvSpPr>
+        <p:spPr>
+          <a:xfrm>
+            <a:off x="725714" y="1150975"/>
+            <a:ext cx="10790016" cy="5029200"/>
+          </a:xfrm>
+        </p:spPr>
+        <p:txBody>
+          <a:bodyPr>
+            <a:noAutofit/>
+          </a:bodyPr>
+          <a:lstStyle/>
+          <a:p>
+            <a:pPr marL="0" indent="0">
+              <a:buNone/>
+            </a:pPr>
+            <a:r>
+              <a:rPr lang="en-US" dirty="0">
+                <a:effectLst/>
+                <a:latin typeface="Calibri" panose="020F0502020204030204" pitchFamily="34" charset="0"/>
+                <a:ea typeface="SimSun" panose="02010600030101010101" pitchFamily="2" charset="-122"/>
+                <a:cs typeface="Arial" panose="020B0604020202020204" pitchFamily="34" charset="0"/>
+              </a:rPr>
+              <a:t>You are a senior in college. You sent your resume to a half-dozen companies hoping to get a job. A month ago you interviewed at ABC Corporation and XYZ Corporation. Two weeks ago XYZ Corporation offered you a job. One week ago you accepted their offer, agreeing to start work a month after graduation. Today you received a much better offer from ABC Corporation. What should you do?</a:t>
+            </a:r>
+          </a:p>
+          <a:p>
+            <a:pPr marL="0" indent="0">
+              <a:buNone/>
+            </a:pPr>
+            <a:endParaRPr lang="en-US" dirty="0"/>
+          </a:p>
+        </p:txBody>
+      </p:sp>
+      <p:sp>
+        <p:nvSpPr>
+          <p:cNvPr id="4" name="TextBox 3"/>
+          <p:cNvSpPr txBox="1"/>
+          <p:nvPr/>
+        </p:nvSpPr>
+        <p:spPr>
+          <a:xfrm>
+            <a:off x="6477000" y="6557162"/>
+            <a:ext cx="4184515" cy="307777"/>
+          </a:xfrm>
+          <a:prstGeom prst="rect">
+            <a:avLst/>
+          </a:prstGeom>
+          <a:noFill/>
+        </p:spPr>
+        <p:txBody>
+          <a:bodyPr wrap="square" rtlCol="0">
+            <a:spAutoFit/>
+          </a:bodyPr>
+          <a:lstStyle/>
+          <a:p>
+            <a:pPr algn="r"/>
+            <a:r>
+              <a:rPr lang="en-US" sz="1400" dirty="0"/>
+              <a:t>Source: M. Quinn, </a:t>
+            </a:r>
+            <a:r>
+              <a:rPr lang="en-US" sz="1400" i="1" dirty="0"/>
+              <a:t>Ethics for the Information Age</a:t>
+            </a:r>
+            <a:endParaRPr lang="en-US" sz="1400" dirty="0"/>
+          </a:p>
+        </p:txBody>
+      </p:sp>
+    </p:spTree>
+    <p:extLst>
+      <p:ext uri="{BB962C8B-B14F-4D97-AF65-F5344CB8AC3E}">
+        <p14:creationId xmlns:p14="http://schemas.microsoft.com/office/powerpoint/2010/main" val="2607812634"/>
+      </p:ext>
+    </p:extLst>
+  </p:cSld>
+  <p:clrMapOvr>
+    <a:masterClrMapping/>
+  </p:clrMapOvr>
+</p:sld>
+</file>
+
+<file path=ppt/slides/slide6.xml><?xml version="1.0" encoding="utf-8"?>
+<p:sld xmlns:a="http://schemas.openxmlformats.org/drawingml/2006/main" xmlns:r="http://schemas.openxmlformats.org/officeDocument/2006/relationships" xmlns:p="http://schemas.openxmlformats.org/presentationml/2006/main">
+  <p:cSld>
+    <p:spTree>
+      <p:nvGrpSpPr>
+        <p:cNvPr id="1" name=""/>
+        <p:cNvGrpSpPr/>
+        <p:nvPr/>
+      </p:nvGrpSpPr>
+      <p:grpSpPr>
+        <a:xfrm>
+          <a:off x="0" y="0"/>
+          <a:ext cx="0" cy="0"/>
+          <a:chOff x="0" y="0"/>
+          <a:chExt cx="0" cy="0"/>
+        </a:xfrm>
+      </p:grpSpPr>
+      <p:sp>
+        <p:nvSpPr>
+          <p:cNvPr id="2" name="Title 1"/>
+          <p:cNvSpPr>
+            <a:spLocks noGrp="1"/>
+          </p:cNvSpPr>
+          <p:nvPr>
+            <p:ph type="title"/>
+          </p:nvPr>
+        </p:nvSpPr>
+        <p:spPr>
+          <a:xfrm>
+            <a:off x="1989175" y="40401"/>
+            <a:ext cx="8229600" cy="1143000"/>
+          </a:xfrm>
+        </p:spPr>
+        <p:txBody>
+          <a:bodyPr>
+            <a:noAutofit/>
+          </a:bodyPr>
+          <a:lstStyle/>
+          <a:p>
+            <a:r>
+              <a:rPr lang="en-US" sz="3200" dirty="0"/>
+              <a:t>Discussion question 13</a:t>
+            </a:r>
+          </a:p>
+        </p:txBody>
+      </p:sp>
+      <p:sp>
+        <p:nvSpPr>
+          <p:cNvPr id="3" name="Content Placeholder 2"/>
+          <p:cNvSpPr>
+            <a:spLocks noGrp="1"/>
+          </p:cNvSpPr>
+          <p:nvPr>
+            <p:ph idx="1"/>
+          </p:nvPr>
+        </p:nvSpPr>
+        <p:spPr>
+          <a:xfrm>
+            <a:off x="733689" y="1158950"/>
+            <a:ext cx="10790016" cy="5029200"/>
+          </a:xfrm>
+        </p:spPr>
+        <p:txBody>
+          <a:bodyPr>
+            <a:noAutofit/>
+          </a:bodyPr>
+          <a:lstStyle/>
+          <a:p>
+            <a:pPr marL="0" indent="0">
+              <a:buNone/>
+            </a:pPr>
+            <a:r>
+              <a:rPr lang="en-US" sz="2400" dirty="0">
+                <a:effectLst/>
+                <a:latin typeface="Calibri" panose="020F0502020204030204" pitchFamily="34" charset="0"/>
+                <a:ea typeface="SimSun" panose="02010600030101010101" pitchFamily="2" charset="-122"/>
+                <a:cs typeface="Arial" panose="020B0604020202020204" pitchFamily="34" charset="0"/>
+              </a:rPr>
+              <a:t>Two weeks ago you started a new job as system administrator for a computer lab at a small college. Wanting to make a good impression, you immediately set out to learn more about the various applications provided to the users of the lab. One of the packages, an engineering design tool, seemed way out of date. You looked through the lab’s file of licensing agreements to see how much it would cost to get an upgrade. To your horror, you discovered that the college never purchased a license for the software—it is running a bootlegged copy!</a:t>
+            </a:r>
+          </a:p>
+          <a:p>
+            <a:pPr marL="0" indent="0">
+              <a:buNone/>
+            </a:pPr>
+            <a:r>
+              <a:rPr lang="en-US" sz="2400" dirty="0">
+                <a:effectLst/>
+                <a:latin typeface="Calibri" panose="020F0502020204030204" pitchFamily="34" charset="0"/>
+                <a:ea typeface="SimSun" panose="02010600030101010101" pitchFamily="2" charset="-122"/>
+                <a:cs typeface="Arial" panose="020B0604020202020204" pitchFamily="34" charset="0"/>
+              </a:rPr>
+              <a:t>When you bring this to the attention of your boss, the college’s director of information technology, he says, “The license for this software would cost us $10,000, which we don’t have in our budget right now. This software is absolutely needed for our engineering students, though. Maybe we can get the license next year. For the time being, just keep the current version running.”</a:t>
+            </a:r>
+          </a:p>
+          <a:p>
+            <a:pPr marL="0" indent="0">
+              <a:buNone/>
+            </a:pPr>
+            <a:r>
+              <a:rPr lang="en-US" sz="2400" dirty="0">
+                <a:effectLst/>
+                <a:latin typeface="Calibri" panose="020F0502020204030204" pitchFamily="34" charset="0"/>
+                <a:ea typeface="SimSun" panose="02010600030101010101" pitchFamily="2" charset="-122"/>
+                <a:cs typeface="Arial" panose="020B0604020202020204" pitchFamily="34" charset="0"/>
+              </a:rPr>
+              <a:t>How would you respond to your manager?</a:t>
+            </a:r>
+          </a:p>
+          <a:p>
+            <a:pPr marL="0" indent="0">
+              <a:buNone/>
+            </a:pPr>
+            <a:endParaRPr lang="en-US" sz="2400" dirty="0"/>
+          </a:p>
+        </p:txBody>
+      </p:sp>
+      <p:sp>
+        <p:nvSpPr>
+          <p:cNvPr id="4" name="TextBox 3"/>
+          <p:cNvSpPr txBox="1"/>
+          <p:nvPr/>
+        </p:nvSpPr>
+        <p:spPr>
+          <a:xfrm>
+            <a:off x="6477000" y="6557162"/>
+            <a:ext cx="4184515" cy="307777"/>
+          </a:xfrm>
+          <a:prstGeom prst="rect">
+            <a:avLst/>
+          </a:prstGeom>
+          <a:noFill/>
+        </p:spPr>
+        <p:txBody>
+          <a:bodyPr wrap="square" rtlCol="0">
+            <a:spAutoFit/>
+          </a:bodyPr>
+          <a:lstStyle/>
+          <a:p>
+            <a:pPr algn="r"/>
+            <a:r>
+              <a:rPr lang="en-US" sz="1400" dirty="0"/>
+              <a:t>Source: M. Quinn, </a:t>
+            </a:r>
+            <a:r>
+              <a:rPr lang="en-US" sz="1400" i="1" dirty="0"/>
+              <a:t>Ethics for the Information Age</a:t>
+            </a:r>
+            <a:endParaRPr lang="en-US" sz="1400" dirty="0"/>
+          </a:p>
+        </p:txBody>
+      </p:sp>
+    </p:spTree>
+    <p:extLst>
+      <p:ext uri="{BB962C8B-B14F-4D97-AF65-F5344CB8AC3E}">
+        <p14:creationId xmlns:p14="http://schemas.microsoft.com/office/powerpoint/2010/main" val="4054388229"/>
       </p:ext>
     </p:extLst>
   </p:cSld>
